--- a/Superstore Data Analysis.pptx
+++ b/Superstore Data Analysis.pptx
@@ -308,6 +308,11 @@
               </a:ln>
               <a:effectLst/>
             </c:spPr>
+            <c:extLst>
+              <c:ext xmlns:c16="http://schemas.microsoft.com/office/drawing/2014/chart" uri="{C3380CC4-5D6E-409C-BE32-E72D297353CC}">
+                <c16:uniqueId val="{00000001-D992-4B5F-A9A8-B3A7F9061F82}"/>
+              </c:ext>
+            </c:extLst>
           </c:dPt>
           <c:dPt>
             <c:idx val="1"/>
@@ -344,6 +349,11 @@
               </a:ln>
               <a:effectLst/>
             </c:spPr>
+            <c:extLst>
+              <c:ext xmlns:c16="http://schemas.microsoft.com/office/drawing/2014/chart" uri="{C3380CC4-5D6E-409C-BE32-E72D297353CC}">
+                <c16:uniqueId val="{00000005-D992-4B5F-A9A8-B3A7F9061F82}"/>
+              </c:ext>
+            </c:extLst>
           </c:dPt>
           <c:dPt>
             <c:idx val="3"/>
@@ -358,6 +368,11 @@
               </a:ln>
               <a:effectLst/>
             </c:spPr>
+            <c:extLst>
+              <c:ext xmlns:c16="http://schemas.microsoft.com/office/drawing/2014/chart" uri="{C3380CC4-5D6E-409C-BE32-E72D297353CC}">
+                <c16:uniqueId val="{00000007-D992-4B5F-A9A8-B3A7F9061F82}"/>
+              </c:ext>
+            </c:extLst>
           </c:dPt>
           <c:cat>
             <c:strRef>
@@ -4928,7 +4943,7 @@
           <a:p>
             <a:fld id="{15D098FC-9456-4016-AB48-3834D146E2C3}" type="datetimeFigureOut">
               <a:rPr lang="en-US" smtClean="0"/>
-              <a:t>3/12/2019</a:t>
+              <a:t>1/9/2023</a:t>
             </a:fld>
             <a:endParaRPr lang="en-US"/>
           </a:p>
@@ -5098,7 +5113,7 @@
           <a:p>
             <a:fld id="{15D098FC-9456-4016-AB48-3834D146E2C3}" type="datetimeFigureOut">
               <a:rPr lang="en-US" smtClean="0"/>
-              <a:t>3/12/2019</a:t>
+              <a:t>1/9/2023</a:t>
             </a:fld>
             <a:endParaRPr lang="en-US"/>
           </a:p>
@@ -5278,7 +5293,7 @@
           <a:p>
             <a:fld id="{15D098FC-9456-4016-AB48-3834D146E2C3}" type="datetimeFigureOut">
               <a:rPr lang="en-US" smtClean="0"/>
-              <a:t>3/12/2019</a:t>
+              <a:t>1/9/2023</a:t>
             </a:fld>
             <a:endParaRPr lang="en-US"/>
           </a:p>
@@ -5448,7 +5463,7 @@
           <a:p>
             <a:fld id="{15D098FC-9456-4016-AB48-3834D146E2C3}" type="datetimeFigureOut">
               <a:rPr lang="en-US" smtClean="0"/>
-              <a:t>3/12/2019</a:t>
+              <a:t>1/9/2023</a:t>
             </a:fld>
             <a:endParaRPr lang="en-US"/>
           </a:p>
@@ -5706,7 +5721,7 @@
           <a:p>
             <a:fld id="{15D098FC-9456-4016-AB48-3834D146E2C3}" type="datetimeFigureOut">
               <a:rPr lang="en-US" smtClean="0"/>
-              <a:t>3/12/2019</a:t>
+              <a:t>1/9/2023</a:t>
             </a:fld>
             <a:endParaRPr lang="en-US"/>
           </a:p>
@@ -5994,7 +6009,7 @@
           <a:p>
             <a:fld id="{15D098FC-9456-4016-AB48-3834D146E2C3}" type="datetimeFigureOut">
               <a:rPr lang="en-US" smtClean="0"/>
-              <a:t>3/12/2019</a:t>
+              <a:t>1/9/2023</a:t>
             </a:fld>
             <a:endParaRPr lang="en-US"/>
           </a:p>
@@ -6436,7 +6451,7 @@
           <a:p>
             <a:fld id="{15D098FC-9456-4016-AB48-3834D146E2C3}" type="datetimeFigureOut">
               <a:rPr lang="en-US" smtClean="0"/>
-              <a:t>3/12/2019</a:t>
+              <a:t>1/9/2023</a:t>
             </a:fld>
             <a:endParaRPr lang="en-US"/>
           </a:p>
@@ -6554,7 +6569,7 @@
           <a:p>
             <a:fld id="{15D098FC-9456-4016-AB48-3834D146E2C3}" type="datetimeFigureOut">
               <a:rPr lang="en-US" smtClean="0"/>
-              <a:t>3/12/2019</a:t>
+              <a:t>1/9/2023</a:t>
             </a:fld>
             <a:endParaRPr lang="en-US"/>
           </a:p>
@@ -6649,7 +6664,7 @@
           <a:p>
             <a:fld id="{15D098FC-9456-4016-AB48-3834D146E2C3}" type="datetimeFigureOut">
               <a:rPr lang="en-US" smtClean="0"/>
-              <a:t>3/12/2019</a:t>
+              <a:t>1/9/2023</a:t>
             </a:fld>
             <a:endParaRPr lang="en-US"/>
           </a:p>
@@ -6937,7 +6952,7 @@
           <a:p>
             <a:fld id="{15D098FC-9456-4016-AB48-3834D146E2C3}" type="datetimeFigureOut">
               <a:rPr lang="en-US" smtClean="0"/>
-              <a:t>3/12/2019</a:t>
+              <a:t>1/9/2023</a:t>
             </a:fld>
             <a:endParaRPr lang="en-US"/>
           </a:p>
@@ -7211,7 +7226,7 @@
           <a:p>
             <a:fld id="{15D098FC-9456-4016-AB48-3834D146E2C3}" type="datetimeFigureOut">
               <a:rPr lang="en-US" smtClean="0"/>
-              <a:t>3/12/2019</a:t>
+              <a:t>1/9/2023</a:t>
             </a:fld>
             <a:endParaRPr lang="en-US"/>
           </a:p>
@@ -7510,7 +7525,7 @@
           <a:p>
             <a:fld id="{15D098FC-9456-4016-AB48-3834D146E2C3}" type="datetimeFigureOut">
               <a:rPr lang="en-US" smtClean="0"/>
-              <a:t>3/12/2019</a:t>
+              <a:t>1/9/2023</a:t>
             </a:fld>
             <a:endParaRPr lang="en-US"/>
           </a:p>
@@ -9321,12 +9336,12 @@
           <a:graphicData uri="http://schemas.openxmlformats.org/presentationml/2006/ole">
             <mc:AlternateContent xmlns:mc="http://schemas.openxmlformats.org/markup-compatibility/2006">
               <mc:Choice xmlns:v="urn:schemas-microsoft-com:vml" Requires="v">
-                <p:oleObj spid="_x0000_s7171" name="Acrobat Document" r:id="rId3" imgW="3017255" imgH="2331437" progId="AcroExch.Document.DC">
+                <p:oleObj name="Acrobat Document" r:id="rId2" imgW="3017255" imgH="2331437" progId="AcroExch.Document.DC">
                   <p:embed/>
                 </p:oleObj>
               </mc:Choice>
               <mc:Fallback>
-                <p:oleObj name="Acrobat Document" r:id="rId3" imgW="3017255" imgH="2331437" progId="AcroExch.Document.DC">
+                <p:oleObj name="Acrobat Document" r:id="rId2" imgW="3017255" imgH="2331437" progId="AcroExch.Document.DC">
                   <p:embed/>
                   <p:pic>
                     <p:nvPicPr>
@@ -9341,7 +9356,7 @@
                       <p:nvPr/>
                     </p:nvPicPr>
                     <p:blipFill>
-                      <a:blip r:embed="rId4"/>
+                      <a:blip r:embed="rId3"/>
                       <a:stretch>
                         <a:fillRect/>
                       </a:stretch>
@@ -10027,12 +10042,12 @@
           <a:graphicData uri="http://schemas.openxmlformats.org/presentationml/2006/ole">
             <mc:AlternateContent xmlns:mc="http://schemas.openxmlformats.org/markup-compatibility/2006">
               <mc:Choice xmlns:v="urn:schemas-microsoft-com:vml" Requires="v">
-                <p:oleObj spid="_x0000_s5171" name="Acrobat Document" r:id="rId3" imgW="3017255" imgH="2331437" progId="AcroExch.Document.DC">
+                <p:oleObj name="Acrobat Document" r:id="rId2" imgW="3017255" imgH="2331437" progId="AcroExch.Document.DC">
                   <p:embed/>
                 </p:oleObj>
               </mc:Choice>
               <mc:Fallback>
-                <p:oleObj name="Acrobat Document" r:id="rId3" imgW="3017255" imgH="2331437" progId="AcroExch.Document.DC">
+                <p:oleObj name="Acrobat Document" r:id="rId2" imgW="3017255" imgH="2331437" progId="AcroExch.Document.DC">
                   <p:embed/>
                   <p:pic>
                     <p:nvPicPr>
@@ -10041,7 +10056,7 @@
                       <p:nvPr/>
                     </p:nvPicPr>
                     <p:blipFill>
-                      <a:blip r:embed="rId4"/>
+                      <a:blip r:embed="rId3"/>
                       <a:stretch>
                         <a:fillRect/>
                       </a:stretch>
@@ -10835,7 +10850,7 @@
             </a:pPr>
             <a:r>
               <a:rPr lang="en-US" dirty="0"/>
-              <a:t>Conduct market research and increase advertising in regions that have high opportunities for growth</a:t>
+              <a:t>Conduct market research and target expansion in regions with high opportunities for growth</a:t>
             </a:r>
           </a:p>
         </p:txBody>
